--- a/ref/framework/framework.pptx
+++ b/ref/framework/framework.pptx
@@ -104,6 +104,11 @@
       </a:defRPr>
     </a:lvl9pPr>
   </p:defaultTextStyle>
+  <p:extLst>
+    <p:ext uri="{EFAFB233-063F-42B5-8137-9DF3F51BA10A}">
+      <p15:sldGuideLst xmlns:p15="http://schemas.microsoft.com/office/powerpoint/2012/main"/>
+    </p:ext>
+  </p:extLst>
 </p:presentation>
 </file>
 
@@ -4226,27 +4231,7 @@
                 <a:latin typeface="微软雅黑" panose="020B0503020204020204" pitchFamily="34" charset="-122"/>
                 <a:ea typeface="微软雅黑" panose="020B0503020204020204" pitchFamily="34" charset="-122"/>
               </a:rPr>
-              <a:t>(</a:t>
-            </a:r>
-            <a:r>
-              <a:rPr lang="en-US" altLang="zh-CN" b="1" dirty="0" err="1">
-                <a:solidFill>
-                  <a:schemeClr val="tx1"/>
-                </a:solidFill>
-                <a:latin typeface="微软雅黑" panose="020B0503020204020204" pitchFamily="34" charset="-122"/>
-                <a:ea typeface="微软雅黑" panose="020B0503020204020204" pitchFamily="34" charset="-122"/>
-              </a:rPr>
-              <a:t>numpy</a:t>
-            </a:r>
-            <a:r>
-              <a:rPr lang="en-US" altLang="zh-CN" b="1" dirty="0">
-                <a:solidFill>
-                  <a:schemeClr val="tx1"/>
-                </a:solidFill>
-                <a:latin typeface="微软雅黑" panose="020B0503020204020204" pitchFamily="34" charset="-122"/>
-                <a:ea typeface="微软雅黑" panose="020B0503020204020204" pitchFamily="34" charset="-122"/>
-              </a:rPr>
-              <a:t> format)</a:t>
+              <a:t>(numpy format)</a:t>
             </a:r>
             <a:endParaRPr kumimoji="0" lang="zh-CN" altLang="en-US" sz="1800" b="1" i="0" u="none" strike="noStrike" kern="1200" cap="none" spc="0" normalizeH="0" baseline="0" noProof="0" dirty="0">
               <a:ln>
@@ -4659,27 +4644,7 @@
                 <a:latin typeface="微软雅黑" panose="020B0503020204020204" pitchFamily="34" charset="-122"/>
                 <a:ea typeface="微软雅黑" panose="020B0503020204020204" pitchFamily="34" charset="-122"/>
               </a:rPr>
-              <a:t>(</a:t>
-            </a:r>
-            <a:r>
-              <a:rPr lang="en-US" altLang="zh-CN" b="1" dirty="0" err="1">
-                <a:solidFill>
-                  <a:schemeClr val="tx1"/>
-                </a:solidFill>
-                <a:latin typeface="微软雅黑" panose="020B0503020204020204" pitchFamily="34" charset="-122"/>
-                <a:ea typeface="微软雅黑" panose="020B0503020204020204" pitchFamily="34" charset="-122"/>
-              </a:rPr>
-              <a:t>numpy</a:t>
-            </a:r>
-            <a:r>
-              <a:rPr lang="en-US" altLang="zh-CN" b="1" dirty="0">
-                <a:solidFill>
-                  <a:schemeClr val="tx1"/>
-                </a:solidFill>
-                <a:latin typeface="微软雅黑" panose="020B0503020204020204" pitchFamily="34" charset="-122"/>
-                <a:ea typeface="微软雅黑" panose="020B0503020204020204" pitchFamily="34" charset="-122"/>
-              </a:rPr>
-              <a:t> format)</a:t>
+              <a:t>(numpy format)</a:t>
             </a:r>
             <a:endParaRPr kumimoji="0" lang="zh-CN" altLang="en-US" sz="1800" b="1" i="0" u="none" strike="noStrike" kern="1200" cap="none" spc="0" normalizeH="0" baseline="0" noProof="0" dirty="0">
               <a:ln>
